--- a/Documentation/Smartphone-bluetooth.pptx
+++ b/Documentation/Smartphone-bluetooth.pptx
@@ -139,6 +139,11 @@
       </a:defRPr>
     </a:lvl9pPr>
   </p:defaultTextStyle>
+  <p:extLst>
+    <p:ext uri="{EFAFB233-063F-42B5-8137-9DF3F51BA10A}">
+      <p15:sldGuideLst xmlns:p15="http://schemas.microsoft.com/office/powerpoint/2012/main"/>
+    </p:ext>
+  </p:extLst>
 </p:presentation>
 </file>
 
@@ -800,7 +805,7 @@
           <a:p>
             <a:fld id="{1D3085DD-79B0-498E-87D7-BE60A0AD49FA}" type="datetimeFigureOut">
               <a:rPr lang="en-CA" smtClean="0"/>
-              <a:t>2021-08-04</a:t>
+              <a:t>2021-08-05</a:t>
             </a:fld>
             <a:endParaRPr lang="en-CA"/>
           </a:p>
@@ -970,7 +975,7 @@
           <a:p>
             <a:fld id="{1D3085DD-79B0-498E-87D7-BE60A0AD49FA}" type="datetimeFigureOut">
               <a:rPr lang="en-CA" smtClean="0"/>
-              <a:t>2021-08-04</a:t>
+              <a:t>2021-08-05</a:t>
             </a:fld>
             <a:endParaRPr lang="en-CA"/>
           </a:p>
@@ -1150,7 +1155,7 @@
           <a:p>
             <a:fld id="{1D3085DD-79B0-498E-87D7-BE60A0AD49FA}" type="datetimeFigureOut">
               <a:rPr lang="en-CA" smtClean="0"/>
-              <a:t>2021-08-04</a:t>
+              <a:t>2021-08-05</a:t>
             </a:fld>
             <a:endParaRPr lang="en-CA"/>
           </a:p>
@@ -1320,7 +1325,7 @@
           <a:p>
             <a:fld id="{1D3085DD-79B0-498E-87D7-BE60A0AD49FA}" type="datetimeFigureOut">
               <a:rPr lang="en-CA" smtClean="0"/>
-              <a:t>2021-08-04</a:t>
+              <a:t>2021-08-05</a:t>
             </a:fld>
             <a:endParaRPr lang="en-CA"/>
           </a:p>
@@ -1578,7 +1583,7 @@
           <a:p>
             <a:fld id="{1D3085DD-79B0-498E-87D7-BE60A0AD49FA}" type="datetimeFigureOut">
               <a:rPr lang="en-CA" smtClean="0"/>
-              <a:t>2021-08-04</a:t>
+              <a:t>2021-08-05</a:t>
             </a:fld>
             <a:endParaRPr lang="en-CA"/>
           </a:p>
@@ -1866,7 +1871,7 @@
           <a:p>
             <a:fld id="{1D3085DD-79B0-498E-87D7-BE60A0AD49FA}" type="datetimeFigureOut">
               <a:rPr lang="en-CA" smtClean="0"/>
-              <a:t>2021-08-04</a:t>
+              <a:t>2021-08-05</a:t>
             </a:fld>
             <a:endParaRPr lang="en-CA"/>
           </a:p>
@@ -2308,7 +2313,7 @@
           <a:p>
             <a:fld id="{1D3085DD-79B0-498E-87D7-BE60A0AD49FA}" type="datetimeFigureOut">
               <a:rPr lang="en-CA" smtClean="0"/>
-              <a:t>2021-08-04</a:t>
+              <a:t>2021-08-05</a:t>
             </a:fld>
             <a:endParaRPr lang="en-CA"/>
           </a:p>
@@ -2426,7 +2431,7 @@
           <a:p>
             <a:fld id="{1D3085DD-79B0-498E-87D7-BE60A0AD49FA}" type="datetimeFigureOut">
               <a:rPr lang="en-CA" smtClean="0"/>
-              <a:t>2021-08-04</a:t>
+              <a:t>2021-08-05</a:t>
             </a:fld>
             <a:endParaRPr lang="en-CA"/>
           </a:p>
@@ -2521,7 +2526,7 @@
           <a:p>
             <a:fld id="{1D3085DD-79B0-498E-87D7-BE60A0AD49FA}" type="datetimeFigureOut">
               <a:rPr lang="en-CA" smtClean="0"/>
-              <a:t>2021-08-04</a:t>
+              <a:t>2021-08-05</a:t>
             </a:fld>
             <a:endParaRPr lang="en-CA"/>
           </a:p>
@@ -2809,7 +2814,7 @@
           <a:p>
             <a:fld id="{1D3085DD-79B0-498E-87D7-BE60A0AD49FA}" type="datetimeFigureOut">
               <a:rPr lang="en-CA" smtClean="0"/>
-              <a:t>2021-08-04</a:t>
+              <a:t>2021-08-05</a:t>
             </a:fld>
             <a:endParaRPr lang="en-CA"/>
           </a:p>
@@ -3082,7 +3087,7 @@
           <a:p>
             <a:fld id="{1D3085DD-79B0-498E-87D7-BE60A0AD49FA}" type="datetimeFigureOut">
               <a:rPr lang="en-CA" smtClean="0"/>
-              <a:t>2021-08-04</a:t>
+              <a:t>2021-08-05</a:t>
             </a:fld>
             <a:endParaRPr lang="en-CA"/>
           </a:p>
@@ -3379,7 +3384,7 @@
           <a:p>
             <a:fld id="{1D3085DD-79B0-498E-87D7-BE60A0AD49FA}" type="datetimeFigureOut">
               <a:rPr lang="en-CA" smtClean="0"/>
-              <a:t>2021-08-04</a:t>
+              <a:t>2021-08-05</a:t>
             </a:fld>
             <a:endParaRPr lang="en-CA"/>
           </a:p>
@@ -6795,8 +6800,8 @@
           </a:p>
           <a:p>
             <a:r>
-              <a:rPr lang="en-CA" sz="4000" dirty="0" err="1"/>
-              <a:t>Bluedot</a:t>
+              <a:rPr lang="en-CA" sz="4000"/>
+              <a:t>Blynk</a:t>
             </a:r>
             <a:endParaRPr lang="en-CA" sz="4000" dirty="0"/>
           </a:p>
